--- a/src/docs/20200908-sample.pptx
+++ b/src/docs/20200908-sample.pptx
@@ -5,11 +5,13 @@
     <p:sldMasterId id="2147483648" r:id="rId1"/>
   </p:sldMasterIdLst>
   <p:notesMasterIdLst>
-    <p:notesMasterId r:id="rId4"/>
+    <p:notesMasterId r:id="rId6"/>
   </p:notesMasterIdLst>
   <p:sldIdLst>
     <p:sldId id="256" r:id="rId2"/>
     <p:sldId id="321" r:id="rId3"/>
+    <p:sldId id="322" r:id="rId4"/>
+    <p:sldId id="323" r:id="rId5"/>
   </p:sldIdLst>
   <p:sldSz cx="9144000" cy="6858000" type="screen4x3"/>
   <p:notesSz cx="6858000" cy="9144000"/>
@@ -209,7 +211,7 @@
           <a:p>
             <a:fld id="{D583AED2-23E4-4F9B-903B-4832079AA841}" type="datetimeFigureOut">
               <a:rPr lang="ko-KR" altLang="en-US" smtClean="0"/>
-              <a:t>2020-09-08</a:t>
+              <a:t>2020-09-09</a:t>
             </a:fld>
             <a:endParaRPr lang="ko-KR" altLang="en-US"/>
           </a:p>
@@ -655,7 +657,7 @@
           <a:p>
             <a:fld id="{3DFDF38F-73FA-4047-9ECD-C48A858438E6}" type="datetime1">
               <a:rPr lang="ko-KR" altLang="en-US" smtClean="0"/>
-              <a:t>2020-09-08</a:t>
+              <a:t>2020-09-09</a:t>
             </a:fld>
             <a:endParaRPr lang="ko-KR" altLang="en-US"/>
           </a:p>
@@ -823,7 +825,7 @@
           <a:p>
             <a:fld id="{E358CF0A-4769-4150-A3B1-30234932B042}" type="datetime1">
               <a:rPr lang="ko-KR" altLang="en-US" smtClean="0"/>
-              <a:t>2020-09-08</a:t>
+              <a:t>2020-09-09</a:t>
             </a:fld>
             <a:endParaRPr lang="ko-KR" altLang="en-US"/>
           </a:p>
@@ -1001,7 +1003,7 @@
           <a:p>
             <a:fld id="{31E1C42B-F817-4509-BD97-44FAE5AC8B92}" type="datetime1">
               <a:rPr lang="ko-KR" altLang="en-US" smtClean="0"/>
-              <a:t>2020-09-08</a:t>
+              <a:t>2020-09-09</a:t>
             </a:fld>
             <a:endParaRPr lang="ko-KR" altLang="en-US"/>
           </a:p>
@@ -1169,7 +1171,7 @@
           <a:p>
             <a:fld id="{A545DD96-57DB-40FA-A32C-242A45CE3377}" type="datetime1">
               <a:rPr lang="ko-KR" altLang="en-US" smtClean="0"/>
-              <a:t>2020-09-08</a:t>
+              <a:t>2020-09-09</a:t>
             </a:fld>
             <a:endParaRPr lang="ko-KR" altLang="en-US"/>
           </a:p>
@@ -1414,7 +1416,7 @@
           <a:p>
             <a:fld id="{9C15875C-66E7-4A0E-9599-C21EBE364D44}" type="datetime1">
               <a:rPr lang="ko-KR" altLang="en-US" smtClean="0"/>
-              <a:t>2020-09-08</a:t>
+              <a:t>2020-09-09</a:t>
             </a:fld>
             <a:endParaRPr lang="ko-KR" altLang="en-US"/>
           </a:p>
@@ -1699,7 +1701,7 @@
           <a:p>
             <a:fld id="{9BF56FBC-430D-486B-B87B-ED3753BFC54B}" type="datetime1">
               <a:rPr lang="ko-KR" altLang="en-US" smtClean="0"/>
-              <a:t>2020-09-08</a:t>
+              <a:t>2020-09-09</a:t>
             </a:fld>
             <a:endParaRPr lang="ko-KR" altLang="en-US"/>
           </a:p>
@@ -2118,7 +2120,7 @@
           <a:p>
             <a:fld id="{DFF5E79F-D498-460A-BACE-676B6A7A03DF}" type="datetime1">
               <a:rPr lang="ko-KR" altLang="en-US" smtClean="0"/>
-              <a:t>2020-09-08</a:t>
+              <a:t>2020-09-09</a:t>
             </a:fld>
             <a:endParaRPr lang="ko-KR" altLang="en-US"/>
           </a:p>
@@ -2235,7 +2237,7 @@
           <a:p>
             <a:fld id="{FEC2EFB7-97D9-4C91-9324-D99FF90AC0CE}" type="datetime1">
               <a:rPr lang="ko-KR" altLang="en-US" smtClean="0"/>
-              <a:t>2020-09-08</a:t>
+              <a:t>2020-09-09</a:t>
             </a:fld>
             <a:endParaRPr lang="ko-KR" altLang="en-US"/>
           </a:p>
@@ -2330,7 +2332,7 @@
           <a:p>
             <a:fld id="{6E9EF49B-A592-4365-AF2F-DA9C11DD274A}" type="datetime1">
               <a:rPr lang="ko-KR" altLang="en-US" smtClean="0"/>
-              <a:t>2020-09-08</a:t>
+              <a:t>2020-09-09</a:t>
             </a:fld>
             <a:endParaRPr lang="ko-KR" altLang="en-US"/>
           </a:p>
@@ -2605,7 +2607,7 @@
           <a:p>
             <a:fld id="{788CFAF5-209C-4E97-9021-74BF82058AA1}" type="datetime1">
               <a:rPr lang="ko-KR" altLang="en-US" smtClean="0"/>
-              <a:t>2020-09-08</a:t>
+              <a:t>2020-09-09</a:t>
             </a:fld>
             <a:endParaRPr lang="ko-KR" altLang="en-US"/>
           </a:p>
@@ -2857,7 +2859,7 @@
           <a:p>
             <a:fld id="{A5171D58-F07C-4283-82E0-4D8CDDCBC136}" type="datetime1">
               <a:rPr lang="ko-KR" altLang="en-US" smtClean="0"/>
-              <a:t>2020-09-08</a:t>
+              <a:t>2020-09-09</a:t>
             </a:fld>
             <a:endParaRPr lang="ko-KR" altLang="en-US"/>
           </a:p>
@@ -3068,7 +3070,7 @@
           <a:p>
             <a:fld id="{D1C8D169-C3D0-418D-B40B-96513597E011}" type="datetime1">
               <a:rPr lang="ko-KR" altLang="en-US" smtClean="0"/>
-              <a:t>2020-09-08</a:t>
+              <a:t>2020-09-09</a:t>
             </a:fld>
             <a:endParaRPr lang="ko-KR" altLang="en-US"/>
           </a:p>
@@ -3733,8 +3735,8 @@
         </p:blipFill>
         <p:spPr>
           <a:xfrm>
-            <a:off x="251520" y="860603"/>
-            <a:ext cx="4491594" cy="2601838"/>
+            <a:off x="251520" y="860602"/>
+            <a:ext cx="4931098" cy="2856429"/>
           </a:xfrm>
           <a:prstGeom prst="rect">
             <a:avLst/>
@@ -3745,6 +3747,560 @@
     <p:extLst>
       <p:ext uri="{BB962C8B-B14F-4D97-AF65-F5344CB8AC3E}">
         <p14:creationId xmlns:p14="http://schemas.microsoft.com/office/powerpoint/2010/main" val="3164928392"/>
+      </p:ext>
+    </p:extLst>
+  </p:cSld>
+  <p:clrMapOvr>
+    <a:masterClrMapping/>
+  </p:clrMapOvr>
+</p:sld>
+</file>
+
+<file path=ppt/slides/slide3.xml><?xml version="1.0" encoding="utf-8"?>
+<p:sld xmlns:a="http://schemas.openxmlformats.org/drawingml/2006/main" xmlns:r="http://schemas.openxmlformats.org/officeDocument/2006/relationships" xmlns:p="http://schemas.openxmlformats.org/presentationml/2006/main">
+  <p:cSld>
+    <p:spTree>
+      <p:nvGrpSpPr>
+        <p:cNvPr id="1" name=""/>
+        <p:cNvGrpSpPr/>
+        <p:nvPr/>
+      </p:nvGrpSpPr>
+      <p:grpSpPr>
+        <a:xfrm>
+          <a:off x="0" y="0"/>
+          <a:ext cx="0" cy="0"/>
+          <a:chOff x="0" y="0"/>
+          <a:chExt cx="0" cy="0"/>
+        </a:xfrm>
+      </p:grpSpPr>
+      <p:sp>
+        <p:nvSpPr>
+          <p:cNvPr id="47" name="직사각형 46"/>
+          <p:cNvSpPr/>
+          <p:nvPr/>
+        </p:nvSpPr>
+        <p:spPr>
+          <a:xfrm>
+            <a:off x="0" y="0"/>
+            <a:ext cx="9144000" cy="375786"/>
+          </a:xfrm>
+          <a:prstGeom prst="rect">
+            <a:avLst/>
+          </a:prstGeom>
+          <a:solidFill>
+            <a:schemeClr val="tx2">
+              <a:lumMod val="75000"/>
+            </a:schemeClr>
+          </a:solidFill>
+        </p:spPr>
+        <p:style>
+          <a:lnRef idx="1">
+            <a:schemeClr val="dk1"/>
+          </a:lnRef>
+          <a:fillRef idx="3">
+            <a:schemeClr val="dk1"/>
+          </a:fillRef>
+          <a:effectRef idx="2">
+            <a:schemeClr val="dk1"/>
+          </a:effectRef>
+          <a:fontRef idx="minor">
+            <a:schemeClr val="lt1"/>
+          </a:fontRef>
+        </p:style>
+        <p:txBody>
+          <a:bodyPr rtlCol="0" anchor="ctr"/>
+          <a:lstStyle/>
+          <a:p>
+            <a:pPr algn="ctr"/>
+            <a:endParaRPr lang="ko-KR" altLang="en-US"/>
+          </a:p>
+        </p:txBody>
+      </p:sp>
+      <p:sp>
+        <p:nvSpPr>
+          <p:cNvPr id="6" name="TextBox 5"/>
+          <p:cNvSpPr txBox="1"/>
+          <p:nvPr/>
+        </p:nvSpPr>
+        <p:spPr>
+          <a:xfrm>
+            <a:off x="79000" y="40846"/>
+            <a:ext cx="3484888" cy="276999"/>
+          </a:xfrm>
+          <a:prstGeom prst="rect">
+            <a:avLst/>
+          </a:prstGeom>
+          <a:noFill/>
+        </p:spPr>
+        <p:txBody>
+          <a:bodyPr wrap="square" rtlCol="0">
+            <a:spAutoFit/>
+          </a:bodyPr>
+          <a:lstStyle/>
+          <a:p>
+            <a:r>
+              <a:rPr lang="en-US" altLang="ko-KR" sz="1200" b="1" dirty="0">
+                <a:solidFill>
+                  <a:schemeClr val="bg1"/>
+                </a:solidFill>
+                <a:latin typeface="+mn-ea"/>
+              </a:rPr>
+              <a:t>200909 jar</a:t>
+            </a:r>
+            <a:r>
+              <a:rPr lang="ko-KR" altLang="en-US" sz="1200" b="1" dirty="0">
+                <a:solidFill>
+                  <a:schemeClr val="bg1"/>
+                </a:solidFill>
+                <a:latin typeface="+mn-ea"/>
+              </a:rPr>
+              <a:t>로 빌드하기</a:t>
+            </a:r>
+          </a:p>
+        </p:txBody>
+      </p:sp>
+      <p:sp>
+        <p:nvSpPr>
+          <p:cNvPr id="3" name="슬라이드 번호 개체 틀 2"/>
+          <p:cNvSpPr>
+            <a:spLocks noGrp="1"/>
+          </p:cNvSpPr>
+          <p:nvPr>
+            <p:ph type="sldNum" sz="quarter" idx="12"/>
+          </p:nvPr>
+        </p:nvSpPr>
+        <p:spPr/>
+        <p:txBody>
+          <a:bodyPr/>
+          <a:lstStyle/>
+          <a:p>
+            <a:fld id="{00745F75-0A77-44A1-84D3-6656687470C4}" type="slidenum">
+              <a:rPr lang="ko-KR" altLang="en-US" smtClean="0"/>
+              <a:t>3</a:t>
+            </a:fld>
+            <a:endParaRPr lang="ko-KR" altLang="en-US"/>
+          </a:p>
+        </p:txBody>
+      </p:sp>
+      <p:pic>
+        <p:nvPicPr>
+          <p:cNvPr id="5" name="그림 4">
+            <a:extLst>
+              <a:ext uri="{FF2B5EF4-FFF2-40B4-BE49-F238E27FC236}">
+                <a16:creationId xmlns:a16="http://schemas.microsoft.com/office/drawing/2014/main" id="{7A748185-D103-4673-B61B-FE0CF080EDB1}"/>
+              </a:ext>
+            </a:extLst>
+          </p:cNvPr>
+          <p:cNvPicPr>
+            <a:picLocks noChangeAspect="1"/>
+          </p:cNvPicPr>
+          <p:nvPr/>
+        </p:nvPicPr>
+        <p:blipFill>
+          <a:blip r:embed="rId2"/>
+          <a:stretch>
+            <a:fillRect/>
+          </a:stretch>
+        </p:blipFill>
+        <p:spPr>
+          <a:xfrm>
+            <a:off x="467544" y="3990406"/>
+            <a:ext cx="6299544" cy="1995895"/>
+          </a:xfrm>
+          <a:prstGeom prst="rect">
+            <a:avLst/>
+          </a:prstGeom>
+        </p:spPr>
+      </p:pic>
+      <p:pic>
+        <p:nvPicPr>
+          <p:cNvPr id="7" name="그림 6">
+            <a:extLst>
+              <a:ext uri="{FF2B5EF4-FFF2-40B4-BE49-F238E27FC236}">
+                <a16:creationId xmlns:a16="http://schemas.microsoft.com/office/drawing/2014/main" id="{1C95704E-604A-4525-A25E-EFDABF2E3A43}"/>
+              </a:ext>
+            </a:extLst>
+          </p:cNvPr>
+          <p:cNvPicPr>
+            <a:picLocks noChangeAspect="1"/>
+          </p:cNvPicPr>
+          <p:nvPr/>
+        </p:nvPicPr>
+        <p:blipFill>
+          <a:blip r:embed="rId3"/>
+          <a:stretch>
+            <a:fillRect/>
+          </a:stretch>
+        </p:blipFill>
+        <p:spPr>
+          <a:xfrm>
+            <a:off x="611560" y="857041"/>
+            <a:ext cx="5162652" cy="2684875"/>
+          </a:xfrm>
+          <a:prstGeom prst="rect">
+            <a:avLst/>
+          </a:prstGeom>
+        </p:spPr>
+      </p:pic>
+      <p:sp>
+        <p:nvSpPr>
+          <p:cNvPr id="8" name="사각형: 둥근 모서리 7">
+            <a:extLst>
+              <a:ext uri="{FF2B5EF4-FFF2-40B4-BE49-F238E27FC236}">
+                <a16:creationId xmlns:a16="http://schemas.microsoft.com/office/drawing/2014/main" id="{D0119126-0D70-4411-9746-F2BBAF443501}"/>
+              </a:ext>
+            </a:extLst>
+          </p:cNvPr>
+          <p:cNvSpPr/>
+          <p:nvPr/>
+        </p:nvSpPr>
+        <p:spPr>
+          <a:xfrm>
+            <a:off x="683567" y="1916832"/>
+            <a:ext cx="2164135" cy="242894"/>
+          </a:xfrm>
+          <a:prstGeom prst="roundRect">
+            <a:avLst/>
+          </a:prstGeom>
+          <a:noFill/>
+          <a:ln>
+            <a:solidFill>
+              <a:srgbClr val="C00000"/>
+            </a:solidFill>
+          </a:ln>
+        </p:spPr>
+        <p:style>
+          <a:lnRef idx="2">
+            <a:schemeClr val="accent1">
+              <a:shade val="50000"/>
+            </a:schemeClr>
+          </a:lnRef>
+          <a:fillRef idx="1">
+            <a:schemeClr val="accent1"/>
+          </a:fillRef>
+          <a:effectRef idx="0">
+            <a:schemeClr val="accent1"/>
+          </a:effectRef>
+          <a:fontRef idx="minor">
+            <a:schemeClr val="lt1"/>
+          </a:fontRef>
+        </p:style>
+        <p:txBody>
+          <a:bodyPr rtlCol="0" anchor="ctr"/>
+          <a:lstStyle/>
+          <a:p>
+            <a:pPr algn="ctr"/>
+            <a:endParaRPr lang="ko-KR" altLang="en-US"/>
+          </a:p>
+        </p:txBody>
+      </p:sp>
+      <p:sp>
+        <p:nvSpPr>
+          <p:cNvPr id="12" name="사각형: 둥근 모서리 11">
+            <a:extLst>
+              <a:ext uri="{FF2B5EF4-FFF2-40B4-BE49-F238E27FC236}">
+                <a16:creationId xmlns:a16="http://schemas.microsoft.com/office/drawing/2014/main" id="{E90738FD-ED71-4791-B5D7-E399AB3DBF62}"/>
+              </a:ext>
+            </a:extLst>
+          </p:cNvPr>
+          <p:cNvSpPr/>
+          <p:nvPr/>
+        </p:nvSpPr>
+        <p:spPr>
+          <a:xfrm>
+            <a:off x="3192886" y="1691354"/>
+            <a:ext cx="2164135" cy="369493"/>
+          </a:xfrm>
+          <a:prstGeom prst="roundRect">
+            <a:avLst/>
+          </a:prstGeom>
+          <a:noFill/>
+          <a:ln>
+            <a:solidFill>
+              <a:srgbClr val="C00000"/>
+            </a:solidFill>
+          </a:ln>
+        </p:spPr>
+        <p:style>
+          <a:lnRef idx="2">
+            <a:schemeClr val="accent1">
+              <a:shade val="50000"/>
+            </a:schemeClr>
+          </a:lnRef>
+          <a:fillRef idx="1">
+            <a:schemeClr val="accent1"/>
+          </a:fillRef>
+          <a:effectRef idx="0">
+            <a:schemeClr val="accent1"/>
+          </a:effectRef>
+          <a:fontRef idx="minor">
+            <a:schemeClr val="lt1"/>
+          </a:fontRef>
+        </p:style>
+        <p:txBody>
+          <a:bodyPr rtlCol="0" anchor="ctr"/>
+          <a:lstStyle/>
+          <a:p>
+            <a:pPr algn="ctr"/>
+            <a:endParaRPr lang="ko-KR" altLang="en-US"/>
+          </a:p>
+        </p:txBody>
+      </p:sp>
+      <p:sp>
+        <p:nvSpPr>
+          <p:cNvPr id="13" name="사각형: 둥근 모서리 12">
+            <a:extLst>
+              <a:ext uri="{FF2B5EF4-FFF2-40B4-BE49-F238E27FC236}">
+                <a16:creationId xmlns:a16="http://schemas.microsoft.com/office/drawing/2014/main" id="{829A478F-9E40-4837-8ED5-5F07F794CDCB}"/>
+              </a:ext>
+            </a:extLst>
+          </p:cNvPr>
+          <p:cNvSpPr/>
+          <p:nvPr/>
+        </p:nvSpPr>
+        <p:spPr>
+          <a:xfrm>
+            <a:off x="2890734" y="4083046"/>
+            <a:ext cx="1008112" cy="411416"/>
+          </a:xfrm>
+          <a:prstGeom prst="roundRect">
+            <a:avLst/>
+          </a:prstGeom>
+          <a:noFill/>
+          <a:ln>
+            <a:solidFill>
+              <a:srgbClr val="C00000"/>
+            </a:solidFill>
+          </a:ln>
+        </p:spPr>
+        <p:style>
+          <a:lnRef idx="2">
+            <a:schemeClr val="accent1">
+              <a:shade val="50000"/>
+            </a:schemeClr>
+          </a:lnRef>
+          <a:fillRef idx="1">
+            <a:schemeClr val="accent1"/>
+          </a:fillRef>
+          <a:effectRef idx="0">
+            <a:schemeClr val="accent1"/>
+          </a:effectRef>
+          <a:fontRef idx="minor">
+            <a:schemeClr val="lt1"/>
+          </a:fontRef>
+        </p:style>
+        <p:txBody>
+          <a:bodyPr rtlCol="0" anchor="ctr"/>
+          <a:lstStyle/>
+          <a:p>
+            <a:pPr algn="ctr"/>
+            <a:endParaRPr lang="ko-KR" altLang="en-US"/>
+          </a:p>
+        </p:txBody>
+      </p:sp>
+    </p:spTree>
+    <p:extLst>
+      <p:ext uri="{BB962C8B-B14F-4D97-AF65-F5344CB8AC3E}">
+        <p14:creationId xmlns:p14="http://schemas.microsoft.com/office/powerpoint/2010/main" val="2377615588"/>
+      </p:ext>
+    </p:extLst>
+  </p:cSld>
+  <p:clrMapOvr>
+    <a:masterClrMapping/>
+  </p:clrMapOvr>
+</p:sld>
+</file>
+
+<file path=ppt/slides/slide4.xml><?xml version="1.0" encoding="utf-8"?>
+<p:sld xmlns:a="http://schemas.openxmlformats.org/drawingml/2006/main" xmlns:r="http://schemas.openxmlformats.org/officeDocument/2006/relationships" xmlns:p="http://schemas.openxmlformats.org/presentationml/2006/main">
+  <p:cSld>
+    <p:spTree>
+      <p:nvGrpSpPr>
+        <p:cNvPr id="1" name=""/>
+        <p:cNvGrpSpPr/>
+        <p:nvPr/>
+      </p:nvGrpSpPr>
+      <p:grpSpPr>
+        <a:xfrm>
+          <a:off x="0" y="0"/>
+          <a:ext cx="0" cy="0"/>
+          <a:chOff x="0" y="0"/>
+          <a:chExt cx="0" cy="0"/>
+        </a:xfrm>
+      </p:grpSpPr>
+      <p:sp>
+        <p:nvSpPr>
+          <p:cNvPr id="47" name="직사각형 46"/>
+          <p:cNvSpPr/>
+          <p:nvPr/>
+        </p:nvSpPr>
+        <p:spPr>
+          <a:xfrm>
+            <a:off x="0" y="0"/>
+            <a:ext cx="9144000" cy="375786"/>
+          </a:xfrm>
+          <a:prstGeom prst="rect">
+            <a:avLst/>
+          </a:prstGeom>
+          <a:solidFill>
+            <a:schemeClr val="tx2">
+              <a:lumMod val="75000"/>
+            </a:schemeClr>
+          </a:solidFill>
+        </p:spPr>
+        <p:style>
+          <a:lnRef idx="1">
+            <a:schemeClr val="dk1"/>
+          </a:lnRef>
+          <a:fillRef idx="3">
+            <a:schemeClr val="dk1"/>
+          </a:fillRef>
+          <a:effectRef idx="2">
+            <a:schemeClr val="dk1"/>
+          </a:effectRef>
+          <a:fontRef idx="minor">
+            <a:schemeClr val="lt1"/>
+          </a:fontRef>
+        </p:style>
+        <p:txBody>
+          <a:bodyPr rtlCol="0" anchor="ctr"/>
+          <a:lstStyle/>
+          <a:p>
+            <a:pPr algn="ctr"/>
+            <a:endParaRPr lang="ko-KR" altLang="en-US"/>
+          </a:p>
+        </p:txBody>
+      </p:sp>
+      <p:sp>
+        <p:nvSpPr>
+          <p:cNvPr id="6" name="TextBox 5"/>
+          <p:cNvSpPr txBox="1"/>
+          <p:nvPr/>
+        </p:nvSpPr>
+        <p:spPr>
+          <a:xfrm>
+            <a:off x="79000" y="40846"/>
+            <a:ext cx="3484888" cy="276999"/>
+          </a:xfrm>
+          <a:prstGeom prst="rect">
+            <a:avLst/>
+          </a:prstGeom>
+          <a:noFill/>
+        </p:spPr>
+        <p:txBody>
+          <a:bodyPr wrap="square" rtlCol="0">
+            <a:spAutoFit/>
+          </a:bodyPr>
+          <a:lstStyle/>
+          <a:p>
+            <a:r>
+              <a:rPr lang="en-US" altLang="ko-KR" sz="1200" b="1" dirty="0">
+                <a:solidFill>
+                  <a:schemeClr val="bg1"/>
+                </a:solidFill>
+                <a:latin typeface="+mn-ea"/>
+              </a:rPr>
+              <a:t>200909 jar</a:t>
+            </a:r>
+            <a:r>
+              <a:rPr lang="ko-KR" altLang="en-US" sz="1200" b="1" dirty="0">
+                <a:solidFill>
+                  <a:schemeClr val="bg1"/>
+                </a:solidFill>
+                <a:latin typeface="+mn-ea"/>
+              </a:rPr>
+              <a:t>로 빌드하기</a:t>
+            </a:r>
+          </a:p>
+        </p:txBody>
+      </p:sp>
+      <p:sp>
+        <p:nvSpPr>
+          <p:cNvPr id="3" name="슬라이드 번호 개체 틀 2"/>
+          <p:cNvSpPr>
+            <a:spLocks noGrp="1"/>
+          </p:cNvSpPr>
+          <p:nvPr>
+            <p:ph type="sldNum" sz="quarter" idx="12"/>
+          </p:nvPr>
+        </p:nvSpPr>
+        <p:spPr/>
+        <p:txBody>
+          <a:bodyPr/>
+          <a:lstStyle/>
+          <a:p>
+            <a:fld id="{00745F75-0A77-44A1-84D3-6656687470C4}" type="slidenum">
+              <a:rPr lang="ko-KR" altLang="en-US" smtClean="0"/>
+              <a:t>4</a:t>
+            </a:fld>
+            <a:endParaRPr lang="ko-KR" altLang="en-US"/>
+          </a:p>
+        </p:txBody>
+      </p:sp>
+      <p:pic>
+        <p:nvPicPr>
+          <p:cNvPr id="2" name="그림 1">
+            <a:extLst>
+              <a:ext uri="{FF2B5EF4-FFF2-40B4-BE49-F238E27FC236}">
+                <a16:creationId xmlns:a16="http://schemas.microsoft.com/office/drawing/2014/main" id="{7BBC4426-0CA0-42DD-9A81-E298C4C10062}"/>
+              </a:ext>
+            </a:extLst>
+          </p:cNvPr>
+          <p:cNvPicPr>
+            <a:picLocks noChangeAspect="1"/>
+          </p:cNvPicPr>
+          <p:nvPr/>
+        </p:nvPicPr>
+        <p:blipFill>
+          <a:blip r:embed="rId2"/>
+          <a:stretch>
+            <a:fillRect/>
+          </a:stretch>
+        </p:blipFill>
+        <p:spPr>
+          <a:xfrm>
+            <a:off x="179512" y="479576"/>
+            <a:ext cx="5400600" cy="6241899"/>
+          </a:xfrm>
+          <a:prstGeom prst="rect">
+            <a:avLst/>
+          </a:prstGeom>
+        </p:spPr>
+      </p:pic>
+      <p:pic>
+        <p:nvPicPr>
+          <p:cNvPr id="4" name="그림 3">
+            <a:extLst>
+              <a:ext uri="{FF2B5EF4-FFF2-40B4-BE49-F238E27FC236}">
+                <a16:creationId xmlns:a16="http://schemas.microsoft.com/office/drawing/2014/main" id="{C098E013-2520-4EDF-A64C-9B10BFA80813}"/>
+              </a:ext>
+            </a:extLst>
+          </p:cNvPr>
+          <p:cNvPicPr>
+            <a:picLocks noChangeAspect="1"/>
+          </p:cNvPicPr>
+          <p:nvPr/>
+        </p:nvPicPr>
+        <p:blipFill>
+          <a:blip r:embed="rId3"/>
+          <a:stretch>
+            <a:fillRect/>
+          </a:stretch>
+        </p:blipFill>
+        <p:spPr>
+          <a:xfrm>
+            <a:off x="4644009" y="479577"/>
+            <a:ext cx="4502710" cy="3813520"/>
+          </a:xfrm>
+          <a:prstGeom prst="rect">
+            <a:avLst/>
+          </a:prstGeom>
+        </p:spPr>
+      </p:pic>
+    </p:spTree>
+    <p:extLst>
+      <p:ext uri="{BB962C8B-B14F-4D97-AF65-F5344CB8AC3E}">
+        <p14:creationId xmlns:p14="http://schemas.microsoft.com/office/powerpoint/2010/main" val="79542595"/>
       </p:ext>
     </p:extLst>
   </p:cSld>
